--- a/presentations/00 - Setup.pptx
+++ b/presentations/00 - Setup.pptx
@@ -8,11 +8,16 @@
     <p:sldId id="258" r:id="rId2"/>
     <p:sldId id="257" r:id="rId3"/>
     <p:sldId id="259" r:id="rId4"/>
-    <p:sldId id="260" r:id="rId5"/>
-    <p:sldId id="261" r:id="rId6"/>
-    <p:sldId id="262" r:id="rId7"/>
-    <p:sldId id="263" r:id="rId8"/>
-    <p:sldId id="256" r:id="rId9"/>
+    <p:sldId id="264" r:id="rId5"/>
+    <p:sldId id="265" r:id="rId6"/>
+    <p:sldId id="266" r:id="rId7"/>
+    <p:sldId id="267" r:id="rId8"/>
+    <p:sldId id="262" r:id="rId9"/>
+    <p:sldId id="268" r:id="rId10"/>
+    <p:sldId id="263" r:id="rId11"/>
+    <p:sldId id="260" r:id="rId12"/>
+    <p:sldId id="269" r:id="rId13"/>
+    <p:sldId id="256" r:id="rId14"/>
   </p:sldIdLst>
   <p:sldSz cx="12192000" cy="6858000"/>
   <p:notesSz cx="6858000" cy="9144000"/>
@@ -261,7 +266,7 @@
           <a:p>
             <a:fld id="{2E383357-6D45-40BA-BA5A-1AE593C8A80F}" type="datetimeFigureOut">
               <a:rPr lang="en-US" smtClean="0"/>
-              <a:t>4/5/2019</a:t>
+              <a:t>7/7/2020</a:t>
             </a:fld>
             <a:endParaRPr lang="en-US"/>
           </a:p>
@@ -431,7 +436,7 @@
           <a:p>
             <a:fld id="{2E383357-6D45-40BA-BA5A-1AE593C8A80F}" type="datetimeFigureOut">
               <a:rPr lang="en-US" smtClean="0"/>
-              <a:t>4/5/2019</a:t>
+              <a:t>7/7/2020</a:t>
             </a:fld>
             <a:endParaRPr lang="en-US"/>
           </a:p>
@@ -611,7 +616,7 @@
           <a:p>
             <a:fld id="{2E383357-6D45-40BA-BA5A-1AE593C8A80F}" type="datetimeFigureOut">
               <a:rPr lang="en-US" smtClean="0"/>
-              <a:t>4/5/2019</a:t>
+              <a:t>7/7/2020</a:t>
             </a:fld>
             <a:endParaRPr lang="en-US"/>
           </a:p>
@@ -781,7 +786,7 @@
           <a:p>
             <a:fld id="{2E383357-6D45-40BA-BA5A-1AE593C8A80F}" type="datetimeFigureOut">
               <a:rPr lang="en-US" smtClean="0"/>
-              <a:t>4/5/2019</a:t>
+              <a:t>7/7/2020</a:t>
             </a:fld>
             <a:endParaRPr lang="en-US"/>
           </a:p>
@@ -1027,7 +1032,7 @@
           <a:p>
             <a:fld id="{2E383357-6D45-40BA-BA5A-1AE593C8A80F}" type="datetimeFigureOut">
               <a:rPr lang="en-US" smtClean="0"/>
-              <a:t>4/5/2019</a:t>
+              <a:t>7/7/2020</a:t>
             </a:fld>
             <a:endParaRPr lang="en-US"/>
           </a:p>
@@ -1259,7 +1264,7 @@
           <a:p>
             <a:fld id="{2E383357-6D45-40BA-BA5A-1AE593C8A80F}" type="datetimeFigureOut">
               <a:rPr lang="en-US" smtClean="0"/>
-              <a:t>4/5/2019</a:t>
+              <a:t>7/7/2020</a:t>
             </a:fld>
             <a:endParaRPr lang="en-US"/>
           </a:p>
@@ -1626,7 +1631,7 @@
           <a:p>
             <a:fld id="{2E383357-6D45-40BA-BA5A-1AE593C8A80F}" type="datetimeFigureOut">
               <a:rPr lang="en-US" smtClean="0"/>
-              <a:t>4/5/2019</a:t>
+              <a:t>7/7/2020</a:t>
             </a:fld>
             <a:endParaRPr lang="en-US"/>
           </a:p>
@@ -1744,7 +1749,7 @@
           <a:p>
             <a:fld id="{2E383357-6D45-40BA-BA5A-1AE593C8A80F}" type="datetimeFigureOut">
               <a:rPr lang="en-US" smtClean="0"/>
-              <a:t>4/5/2019</a:t>
+              <a:t>7/7/2020</a:t>
             </a:fld>
             <a:endParaRPr lang="en-US"/>
           </a:p>
@@ -1839,7 +1844,7 @@
           <a:p>
             <a:fld id="{2E383357-6D45-40BA-BA5A-1AE593C8A80F}" type="datetimeFigureOut">
               <a:rPr lang="en-US" smtClean="0"/>
-              <a:t>4/5/2019</a:t>
+              <a:t>7/7/2020</a:t>
             </a:fld>
             <a:endParaRPr lang="en-US"/>
           </a:p>
@@ -2116,7 +2121,7 @@
           <a:p>
             <a:fld id="{2E383357-6D45-40BA-BA5A-1AE593C8A80F}" type="datetimeFigureOut">
               <a:rPr lang="en-US" smtClean="0"/>
-              <a:t>4/5/2019</a:t>
+              <a:t>7/7/2020</a:t>
             </a:fld>
             <a:endParaRPr lang="en-US"/>
           </a:p>
@@ -2369,7 +2374,7 @@
           <a:p>
             <a:fld id="{2E383357-6D45-40BA-BA5A-1AE593C8A80F}" type="datetimeFigureOut">
               <a:rPr lang="en-US" smtClean="0"/>
-              <a:t>4/5/2019</a:t>
+              <a:t>7/7/2020</a:t>
             </a:fld>
             <a:endParaRPr lang="en-US"/>
           </a:p>
@@ -2582,7 +2587,7 @@
           <a:p>
             <a:fld id="{2E383357-6D45-40BA-BA5A-1AE593C8A80F}" type="datetimeFigureOut">
               <a:rPr lang="en-US" smtClean="0"/>
-              <a:t>4/5/2019</a:t>
+              <a:t>7/7/2020</a:t>
             </a:fld>
             <a:endParaRPr lang="en-US"/>
           </a:p>
@@ -3034,7 +3039,7 @@
         <p:spPr>
           <a:xfrm>
             <a:off x="681668" y="2547918"/>
-            <a:ext cx="10383099" cy="1446550"/>
+            <a:ext cx="11159145" cy="1200329"/>
           </a:xfrm>
           <a:prstGeom prst="rect">
             <a:avLst/>
@@ -3047,10 +3052,10 @@
           <a:lstStyle/>
           <a:p>
             <a:r>
-              <a:rPr lang="en-US" sz="8800" dirty="0" smtClean="0"/>
-              <a:t>https://bit.ly/2DaTFwj</a:t>
-            </a:r>
-            <a:endParaRPr lang="en-US" sz="8800" dirty="0"/>
+              <a:rPr lang="en-US" sz="7200" dirty="0"/>
+              <a:t>https://tinyurl.com/y8f4pcn9</a:t>
+            </a:r>
+            <a:endParaRPr lang="en-US" sz="7200" dirty="0"/>
           </a:p>
         </p:txBody>
       </p:sp>
@@ -3058,6 +3063,395 @@
     <p:extLst>
       <p:ext uri="{BB962C8B-B14F-4D97-AF65-F5344CB8AC3E}">
         <p14:creationId xmlns:p14="http://schemas.microsoft.com/office/powerpoint/2010/main" val="134216753"/>
+      </p:ext>
+    </p:extLst>
+  </p:cSld>
+  <p:clrMapOvr>
+    <a:masterClrMapping/>
+  </p:clrMapOvr>
+</p:sld>
+</file>
+
+<file path=ppt/slides/slide10.xml><?xml version="1.0" encoding="utf-8"?>
+<p:sld xmlns:a="http://schemas.openxmlformats.org/drawingml/2006/main" xmlns:r="http://schemas.openxmlformats.org/officeDocument/2006/relationships" xmlns:p="http://schemas.openxmlformats.org/presentationml/2006/main">
+  <p:cSld>
+    <p:spTree>
+      <p:nvGrpSpPr>
+        <p:cNvPr id="1" name=""/>
+        <p:cNvGrpSpPr/>
+        <p:nvPr/>
+      </p:nvGrpSpPr>
+      <p:grpSpPr>
+        <a:xfrm>
+          <a:off x="0" y="0"/>
+          <a:ext cx="0" cy="0"/>
+          <a:chOff x="0" y="0"/>
+          <a:chExt cx="0" cy="0"/>
+        </a:xfrm>
+      </p:grpSpPr>
+      <p:pic>
+        <p:nvPicPr>
+          <p:cNvPr id="2" name="Picture 1"/>
+          <p:cNvPicPr>
+            <a:picLocks noChangeAspect="1"/>
+          </p:cNvPicPr>
+          <p:nvPr/>
+        </p:nvPicPr>
+        <p:blipFill>
+          <a:blip r:embed="rId2"/>
+          <a:stretch>
+            <a:fillRect/>
+          </a:stretch>
+        </p:blipFill>
+        <p:spPr>
+          <a:xfrm>
+            <a:off x="0" y="444"/>
+            <a:ext cx="12192000" cy="6857111"/>
+          </a:xfrm>
+          <a:prstGeom prst="rect">
+            <a:avLst/>
+          </a:prstGeom>
+        </p:spPr>
+      </p:pic>
+    </p:spTree>
+    <p:extLst>
+      <p:ext uri="{BB962C8B-B14F-4D97-AF65-F5344CB8AC3E}">
+        <p14:creationId xmlns:p14="http://schemas.microsoft.com/office/powerpoint/2010/main" val="952241169"/>
+      </p:ext>
+    </p:extLst>
+  </p:cSld>
+  <p:clrMapOvr>
+    <a:masterClrMapping/>
+  </p:clrMapOvr>
+</p:sld>
+</file>
+
+<file path=ppt/slides/slide11.xml><?xml version="1.0" encoding="utf-8"?>
+<p:sld xmlns:a="http://schemas.openxmlformats.org/drawingml/2006/main" xmlns:r="http://schemas.openxmlformats.org/officeDocument/2006/relationships" xmlns:p="http://schemas.openxmlformats.org/presentationml/2006/main">
+  <p:cSld>
+    <p:spTree>
+      <p:nvGrpSpPr>
+        <p:cNvPr id="1" name=""/>
+        <p:cNvGrpSpPr/>
+        <p:nvPr/>
+      </p:nvGrpSpPr>
+      <p:grpSpPr>
+        <a:xfrm>
+          <a:off x="0" y="0"/>
+          <a:ext cx="0" cy="0"/>
+          <a:chOff x="0" y="0"/>
+          <a:chExt cx="0" cy="0"/>
+        </a:xfrm>
+      </p:grpSpPr>
+      <p:sp>
+        <p:nvSpPr>
+          <p:cNvPr id="2" name="Title 1"/>
+          <p:cNvSpPr>
+            <a:spLocks noGrp="1"/>
+          </p:cNvSpPr>
+          <p:nvPr>
+            <p:ph type="title"/>
+          </p:nvPr>
+        </p:nvSpPr>
+        <p:spPr/>
+        <p:txBody>
+          <a:bodyPr/>
+          <a:lstStyle/>
+          <a:p>
+            <a:endParaRPr lang="en-US"/>
+          </a:p>
+        </p:txBody>
+      </p:sp>
+      <p:sp>
+        <p:nvSpPr>
+          <p:cNvPr id="3" name="Content Placeholder 2"/>
+          <p:cNvSpPr>
+            <a:spLocks noGrp="1"/>
+          </p:cNvSpPr>
+          <p:nvPr>
+            <p:ph idx="1"/>
+          </p:nvPr>
+        </p:nvSpPr>
+        <p:spPr/>
+        <p:txBody>
+          <a:bodyPr/>
+          <a:lstStyle/>
+          <a:p>
+            <a:endParaRPr lang="en-US"/>
+          </a:p>
+        </p:txBody>
+      </p:sp>
+      <p:pic>
+        <p:nvPicPr>
+          <p:cNvPr id="5" name="Picture 4"/>
+          <p:cNvPicPr>
+            <a:picLocks noChangeAspect="1"/>
+          </p:cNvPicPr>
+          <p:nvPr/>
+        </p:nvPicPr>
+        <p:blipFill rotWithShape="1">
+          <a:blip r:embed="rId2"/>
+          <a:srcRect t="9136"/>
+          <a:stretch/>
+        </p:blipFill>
+        <p:spPr>
+          <a:xfrm>
+            <a:off x="295275" y="626532"/>
+            <a:ext cx="11601450" cy="6231467"/>
+          </a:xfrm>
+          <a:prstGeom prst="rect">
+            <a:avLst/>
+          </a:prstGeom>
+        </p:spPr>
+      </p:pic>
+      <p:pic>
+        <p:nvPicPr>
+          <p:cNvPr id="6" name="Content Placeholder 5" descr="graphics - Custom arrow shaft - Mathematica Stack Exchange"/>
+          <p:cNvPicPr>
+            <a:picLocks noChangeAspect="1"/>
+          </p:cNvPicPr>
+          <p:nvPr/>
+        </p:nvPicPr>
+        <p:blipFill>
+          <a:blip r:embed="rId3">
+            <a:extLst>
+              <a:ext uri="{BEBA8EAE-BF5A-486C-A8C5-ECC9F3942E4B}">
+                <a14:imgProps xmlns:a14="http://schemas.microsoft.com/office/drawing/2010/main">
+                  <a14:imgLayer r:embed="rId4">
+                    <a14:imgEffect>
+                      <a14:backgroundRemoval t="926" b="100000" l="627" r="99060"/>
+                    </a14:imgEffect>
+                  </a14:imgLayer>
+                </a14:imgProps>
+              </a:ext>
+              <a:ext uri="{28A0092B-C50C-407E-A947-70E740481C1C}">
+                <a14:useLocalDpi xmlns:a14="http://schemas.microsoft.com/office/drawing/2010/main" val="0"/>
+              </a:ext>
+            </a:extLst>
+          </a:blip>
+          <a:stretch>
+            <a:fillRect/>
+          </a:stretch>
+        </p:blipFill>
+        <p:spPr>
+          <a:xfrm rot="18575849" flipH="1">
+            <a:off x="139590" y="1180186"/>
+            <a:ext cx="2403056" cy="3254295"/>
+          </a:xfrm>
+          <a:prstGeom prst="rect">
+            <a:avLst/>
+          </a:prstGeom>
+        </p:spPr>
+      </p:pic>
+    </p:spTree>
+    <p:extLst>
+      <p:ext uri="{BB962C8B-B14F-4D97-AF65-F5344CB8AC3E}">
+        <p14:creationId xmlns:p14="http://schemas.microsoft.com/office/powerpoint/2010/main" val="1082647724"/>
+      </p:ext>
+    </p:extLst>
+  </p:cSld>
+  <p:clrMapOvr>
+    <a:masterClrMapping/>
+  </p:clrMapOvr>
+</p:sld>
+</file>
+
+<file path=ppt/slides/slide12.xml><?xml version="1.0" encoding="utf-8"?>
+<p:sld xmlns:a="http://schemas.openxmlformats.org/drawingml/2006/main" xmlns:r="http://schemas.openxmlformats.org/officeDocument/2006/relationships" xmlns:p="http://schemas.openxmlformats.org/presentationml/2006/main">
+  <p:cSld>
+    <p:spTree>
+      <p:nvGrpSpPr>
+        <p:cNvPr id="1" name=""/>
+        <p:cNvGrpSpPr/>
+        <p:nvPr/>
+      </p:nvGrpSpPr>
+      <p:grpSpPr>
+        <a:xfrm>
+          <a:off x="0" y="0"/>
+          <a:ext cx="0" cy="0"/>
+          <a:chOff x="0" y="0"/>
+          <a:chExt cx="0" cy="0"/>
+        </a:xfrm>
+      </p:grpSpPr>
+      <p:sp>
+        <p:nvSpPr>
+          <p:cNvPr id="2" name="Title 1"/>
+          <p:cNvSpPr>
+            <a:spLocks noGrp="1"/>
+          </p:cNvSpPr>
+          <p:nvPr>
+            <p:ph type="title"/>
+          </p:nvPr>
+        </p:nvSpPr>
+        <p:spPr/>
+        <p:txBody>
+          <a:bodyPr/>
+          <a:lstStyle/>
+          <a:p>
+            <a:endParaRPr lang="en-US"/>
+          </a:p>
+        </p:txBody>
+      </p:sp>
+      <p:pic>
+        <p:nvPicPr>
+          <p:cNvPr id="4" name="Content Placeholder 3"/>
+          <p:cNvPicPr>
+            <a:picLocks noGrp="1" noChangeAspect="1"/>
+          </p:cNvPicPr>
+          <p:nvPr>
+            <p:ph idx="1"/>
+          </p:nvPr>
+        </p:nvPicPr>
+        <p:blipFill rotWithShape="1">
+          <a:blip r:embed="rId2"/>
+          <a:srcRect t="9298"/>
+          <a:stretch/>
+        </p:blipFill>
+        <p:spPr>
+          <a:xfrm>
+            <a:off x="584370" y="468243"/>
+            <a:ext cx="10769430" cy="5774236"/>
+          </a:xfrm>
+          <a:prstGeom prst="rect">
+            <a:avLst/>
+          </a:prstGeom>
+        </p:spPr>
+      </p:pic>
+      <p:pic>
+        <p:nvPicPr>
+          <p:cNvPr id="5" name="Content Placeholder 5" descr="graphics - Custom arrow shaft - Mathematica Stack Exchange"/>
+          <p:cNvPicPr>
+            <a:picLocks noChangeAspect="1"/>
+          </p:cNvPicPr>
+          <p:nvPr/>
+        </p:nvPicPr>
+        <p:blipFill>
+          <a:blip r:embed="rId3">
+            <a:extLst>
+              <a:ext uri="{BEBA8EAE-BF5A-486C-A8C5-ECC9F3942E4B}">
+                <a14:imgProps xmlns:a14="http://schemas.microsoft.com/office/drawing/2010/main">
+                  <a14:imgLayer r:embed="rId4">
+                    <a14:imgEffect>
+                      <a14:backgroundRemoval t="926" b="100000" l="627" r="99060"/>
+                    </a14:imgEffect>
+                  </a14:imgLayer>
+                </a14:imgProps>
+              </a:ext>
+              <a:ext uri="{28A0092B-C50C-407E-A947-70E740481C1C}">
+                <a14:useLocalDpi xmlns:a14="http://schemas.microsoft.com/office/drawing/2010/main" val="0"/>
+              </a:ext>
+            </a:extLst>
+          </a:blip>
+          <a:stretch>
+            <a:fillRect/>
+          </a:stretch>
+        </p:blipFill>
+        <p:spPr>
+          <a:xfrm rot="18575849" flipH="1">
+            <a:off x="532738" y="2026496"/>
+            <a:ext cx="2403056" cy="3254295"/>
+          </a:xfrm>
+          <a:prstGeom prst="rect">
+            <a:avLst/>
+          </a:prstGeom>
+        </p:spPr>
+      </p:pic>
+    </p:spTree>
+    <p:extLst>
+      <p:ext uri="{BB962C8B-B14F-4D97-AF65-F5344CB8AC3E}">
+        <p14:creationId xmlns:p14="http://schemas.microsoft.com/office/powerpoint/2010/main" val="1702829786"/>
+      </p:ext>
+    </p:extLst>
+  </p:cSld>
+  <p:clrMapOvr>
+    <a:masterClrMapping/>
+  </p:clrMapOvr>
+</p:sld>
+</file>
+
+<file path=ppt/slides/slide13.xml><?xml version="1.0" encoding="utf-8"?>
+<p:sld xmlns:a="http://schemas.openxmlformats.org/drawingml/2006/main" xmlns:r="http://schemas.openxmlformats.org/officeDocument/2006/relationships" xmlns:p="http://schemas.openxmlformats.org/presentationml/2006/main">
+  <p:cSld>
+    <p:spTree>
+      <p:nvGrpSpPr>
+        <p:cNvPr id="1" name=""/>
+        <p:cNvGrpSpPr/>
+        <p:nvPr/>
+      </p:nvGrpSpPr>
+      <p:grpSpPr>
+        <a:xfrm>
+          <a:off x="0" y="0"/>
+          <a:ext cx="0" cy="0"/>
+          <a:chOff x="0" y="0"/>
+          <a:chExt cx="0" cy="0"/>
+        </a:xfrm>
+      </p:grpSpPr>
+      <p:sp>
+        <p:nvSpPr>
+          <p:cNvPr id="2" name="Title 1"/>
+          <p:cNvSpPr>
+            <a:spLocks noGrp="1"/>
+          </p:cNvSpPr>
+          <p:nvPr>
+            <p:ph type="ctrTitle"/>
+          </p:nvPr>
+        </p:nvSpPr>
+        <p:spPr/>
+        <p:txBody>
+          <a:bodyPr/>
+          <a:lstStyle/>
+          <a:p>
+            <a:endParaRPr lang="en-US"/>
+          </a:p>
+        </p:txBody>
+      </p:sp>
+      <p:sp>
+        <p:nvSpPr>
+          <p:cNvPr id="3" name="Subtitle 2"/>
+          <p:cNvSpPr>
+            <a:spLocks noGrp="1"/>
+          </p:cNvSpPr>
+          <p:nvPr>
+            <p:ph type="subTitle" idx="1"/>
+          </p:nvPr>
+        </p:nvSpPr>
+        <p:spPr/>
+        <p:txBody>
+          <a:bodyPr/>
+          <a:lstStyle/>
+          <a:p>
+            <a:endParaRPr lang="en-US"/>
+          </a:p>
+        </p:txBody>
+      </p:sp>
+      <p:pic>
+        <p:nvPicPr>
+          <p:cNvPr id="4" name="Picture 3"/>
+          <p:cNvPicPr>
+            <a:picLocks noChangeAspect="1"/>
+          </p:cNvPicPr>
+          <p:nvPr/>
+        </p:nvPicPr>
+        <p:blipFill>
+          <a:blip r:embed="rId2"/>
+          <a:stretch>
+            <a:fillRect/>
+          </a:stretch>
+        </p:blipFill>
+        <p:spPr>
+          <a:xfrm>
+            <a:off x="908143" y="0"/>
+            <a:ext cx="10375714" cy="6858000"/>
+          </a:xfrm>
+          <a:prstGeom prst="rect">
+            <a:avLst/>
+          </a:prstGeom>
+        </p:spPr>
+      </p:pic>
+    </p:spTree>
+    <p:extLst>
+      <p:ext uri="{BB962C8B-B14F-4D97-AF65-F5344CB8AC3E}">
+        <p14:creationId xmlns:p14="http://schemas.microsoft.com/office/powerpoint/2010/main" val="3805262495"/>
       </p:ext>
     </p:extLst>
   </p:cSld>
@@ -3287,53 +3681,71 @@
           </a:p>
         </p:txBody>
       </p:sp>
-      <p:sp>
-        <p:nvSpPr>
-          <p:cNvPr id="3" name="Content Placeholder 2"/>
-          <p:cNvSpPr>
-            <a:spLocks noGrp="1"/>
-          </p:cNvSpPr>
-          <p:nvPr>
-            <p:ph idx="1"/>
-          </p:nvPr>
-        </p:nvSpPr>
-        <p:spPr/>
-        <p:txBody>
-          <a:bodyPr/>
-          <a:lstStyle/>
-          <a:p>
-            <a:endParaRPr lang="en-US"/>
-          </a:p>
-        </p:txBody>
-      </p:sp>
       <p:pic>
         <p:nvPicPr>
-          <p:cNvPr id="4" name="Picture 3"/>
+          <p:cNvPr id="5" name="Picture 4"/>
           <p:cNvPicPr>
             <a:picLocks noChangeAspect="1"/>
           </p:cNvPicPr>
           <p:nvPr/>
         </p:nvPicPr>
-        <p:blipFill>
+        <p:blipFill rotWithShape="1">
           <a:blip r:embed="rId2"/>
-          <a:stretch>
-            <a:fillRect/>
-          </a:stretch>
+          <a:srcRect l="87" t="8399" r="-87" b="7219"/>
+          <a:stretch/>
         </p:blipFill>
         <p:spPr>
           <a:xfrm>
-            <a:off x="0" y="444"/>
-            <a:ext cx="12192000" cy="6857111"/>
+            <a:off x="270016" y="858829"/>
+            <a:ext cx="11601450" cy="5786988"/>
           </a:xfrm>
           <a:prstGeom prst="rect">
             <a:avLst/>
           </a:prstGeom>
         </p:spPr>
       </p:pic>
+      <p:pic>
+        <p:nvPicPr>
+          <p:cNvPr id="6" name="Content Placeholder 5" descr="graphics - Custom arrow shaft - Mathematica Stack Exchange"/>
+          <p:cNvPicPr>
+            <a:picLocks noGrp="1" noChangeAspect="1"/>
+          </p:cNvPicPr>
+          <p:nvPr>
+            <p:ph idx="1"/>
+          </p:nvPr>
+        </p:nvPicPr>
+        <p:blipFill>
+          <a:blip r:embed="rId3">
+            <a:extLst>
+              <a:ext uri="{BEBA8EAE-BF5A-486C-A8C5-ECC9F3942E4B}">
+                <a14:imgProps xmlns:a14="http://schemas.microsoft.com/office/drawing/2010/main">
+                  <a14:imgLayer r:embed="rId4">
+                    <a14:imgEffect>
+                      <a14:backgroundRemoval t="926" b="100000" l="627" r="99060"/>
+                    </a14:imgEffect>
+                  </a14:imgLayer>
+                </a14:imgProps>
+              </a:ext>
+              <a:ext uri="{28A0092B-C50C-407E-A947-70E740481C1C}">
+                <a14:useLocalDpi xmlns:a14="http://schemas.microsoft.com/office/drawing/2010/main" val="0"/>
+              </a:ext>
+            </a:extLst>
+          </a:blip>
+          <a:stretch>
+            <a:fillRect/>
+          </a:stretch>
+        </p:blipFill>
+        <p:spPr>
+          <a:xfrm rot="16801409">
+            <a:off x="7107782" y="1694922"/>
+            <a:ext cx="3038475" cy="4114800"/>
+          </a:xfrm>
+        </p:spPr>
+      </p:pic>
     </p:spTree>
     <p:extLst>
       <p:ext uri="{BB962C8B-B14F-4D97-AF65-F5344CB8AC3E}">
-        <p14:creationId xmlns:p14="http://schemas.microsoft.com/office/powerpoint/2010/main" val="1082647724"/>
+        <p14:creationId xmlns:p14="http://schemas.microsoft.com/office/powerpoint/2010/main" val="3462410749"/>
       </p:ext>
     </p:extLst>
   </p:cSld>
@@ -3406,42 +3818,206 @@
           </p:cNvPicPr>
           <p:nvPr/>
         </p:nvPicPr>
-        <p:blipFill>
+        <p:blipFill rotWithShape="1">
           <a:blip r:embed="rId2"/>
-          <a:stretch>
-            <a:fillRect/>
-          </a:stretch>
+          <a:srcRect t="9995"/>
+          <a:stretch/>
         </p:blipFill>
         <p:spPr>
           <a:xfrm>
-            <a:off x="0" y="444"/>
-            <a:ext cx="12192000" cy="6857111"/>
+            <a:off x="413396" y="677333"/>
+            <a:ext cx="11463866" cy="6099336"/>
           </a:xfrm>
           <a:prstGeom prst="rect">
             <a:avLst/>
           </a:prstGeom>
         </p:spPr>
       </p:pic>
-      <p:sp>
-        <p:nvSpPr>
-          <p:cNvPr id="5" name="Rectangle 4"/>
-          <p:cNvSpPr/>
+      <p:pic>
+        <p:nvPicPr>
+          <p:cNvPr id="5" name="Content Placeholder 5" descr="graphics - Custom arrow shaft - Mathematica Stack Exchange"/>
+          <p:cNvPicPr>
+            <a:picLocks noChangeAspect="1"/>
+          </p:cNvPicPr>
           <p:nvPr/>
-        </p:nvSpPr>
+        </p:nvPicPr>
+        <p:blipFill>
+          <a:blip r:embed="rId3">
+            <a:extLst>
+              <a:ext uri="{BEBA8EAE-BF5A-486C-A8C5-ECC9F3942E4B}">
+                <a14:imgProps xmlns:a14="http://schemas.microsoft.com/office/drawing/2010/main">
+                  <a14:imgLayer r:embed="rId4">
+                    <a14:imgEffect>
+                      <a14:backgroundRemoval t="926" b="100000" l="627" r="99060"/>
+                    </a14:imgEffect>
+                  </a14:imgLayer>
+                </a14:imgProps>
+              </a:ext>
+              <a:ext uri="{28A0092B-C50C-407E-A947-70E740481C1C}">
+                <a14:useLocalDpi xmlns:a14="http://schemas.microsoft.com/office/drawing/2010/main" val="0"/>
+              </a:ext>
+            </a:extLst>
+          </a:blip>
+          <a:stretch>
+            <a:fillRect/>
+          </a:stretch>
+        </p:blipFill>
         <p:spPr>
-          <a:xfrm>
-            <a:off x="2317750" y="3168648"/>
-            <a:ext cx="6883400" cy="1022351"/>
+          <a:xfrm rot="18549481" flipH="1">
+            <a:off x="2938434" y="1164009"/>
+            <a:ext cx="2841967" cy="4114800"/>
           </a:xfrm>
           <a:prstGeom prst="rect">
             <a:avLst/>
           </a:prstGeom>
-          <a:solidFill>
-            <a:srgbClr val="FFFFFF"/>
-          </a:solidFill>
-          <a:ln>
-            <a:noFill/>
-          </a:ln>
+        </p:spPr>
+      </p:pic>
+    </p:spTree>
+    <p:extLst>
+      <p:ext uri="{BB962C8B-B14F-4D97-AF65-F5344CB8AC3E}">
+        <p14:creationId xmlns:p14="http://schemas.microsoft.com/office/powerpoint/2010/main" val="3227060373"/>
+      </p:ext>
+    </p:extLst>
+  </p:cSld>
+  <p:clrMapOvr>
+    <a:masterClrMapping/>
+  </p:clrMapOvr>
+</p:sld>
+</file>
+
+<file path=ppt/slides/slide6.xml><?xml version="1.0" encoding="utf-8"?>
+<p:sld xmlns:a="http://schemas.openxmlformats.org/drawingml/2006/main" xmlns:r="http://schemas.openxmlformats.org/officeDocument/2006/relationships" xmlns:p="http://schemas.openxmlformats.org/presentationml/2006/main">
+  <p:cSld>
+    <p:spTree>
+      <p:nvGrpSpPr>
+        <p:cNvPr id="1" name=""/>
+        <p:cNvGrpSpPr/>
+        <p:nvPr/>
+      </p:nvGrpSpPr>
+      <p:grpSpPr>
+        <a:xfrm>
+          <a:off x="0" y="0"/>
+          <a:ext cx="0" cy="0"/>
+          <a:chOff x="0" y="0"/>
+          <a:chExt cx="0" cy="0"/>
+        </a:xfrm>
+      </p:grpSpPr>
+      <p:sp>
+        <p:nvSpPr>
+          <p:cNvPr id="2" name="Title 1"/>
+          <p:cNvSpPr>
+            <a:spLocks noGrp="1"/>
+          </p:cNvSpPr>
+          <p:nvPr>
+            <p:ph type="title"/>
+          </p:nvPr>
+        </p:nvSpPr>
+        <p:spPr/>
+        <p:txBody>
+          <a:bodyPr/>
+          <a:lstStyle/>
+          <a:p>
+            <a:endParaRPr lang="en-US"/>
+          </a:p>
+        </p:txBody>
+      </p:sp>
+      <p:sp>
+        <p:nvSpPr>
+          <p:cNvPr id="3" name="Content Placeholder 2"/>
+          <p:cNvSpPr>
+            <a:spLocks noGrp="1"/>
+          </p:cNvSpPr>
+          <p:nvPr>
+            <p:ph idx="1"/>
+          </p:nvPr>
+        </p:nvSpPr>
+        <p:spPr/>
+        <p:txBody>
+          <a:bodyPr/>
+          <a:lstStyle/>
+          <a:p>
+            <a:endParaRPr lang="en-US"/>
+          </a:p>
+        </p:txBody>
+      </p:sp>
+      <p:pic>
+        <p:nvPicPr>
+          <p:cNvPr id="4" name="Picture 3"/>
+          <p:cNvPicPr>
+            <a:picLocks noChangeAspect="1"/>
+          </p:cNvPicPr>
+          <p:nvPr/>
+        </p:nvPicPr>
+        <p:blipFill rotWithShape="1">
+          <a:blip r:embed="rId2"/>
+          <a:srcRect t="9836"/>
+          <a:stretch/>
+        </p:blipFill>
+        <p:spPr>
+          <a:xfrm>
+            <a:off x="1084729" y="947854"/>
+            <a:ext cx="10022541" cy="5341926"/>
+          </a:xfrm>
+          <a:prstGeom prst="rect">
+            <a:avLst/>
+          </a:prstGeom>
+        </p:spPr>
+      </p:pic>
+      <p:pic>
+        <p:nvPicPr>
+          <p:cNvPr id="5" name="Content Placeholder 5" descr="graphics - Custom arrow shaft - Mathematica Stack Exchange"/>
+          <p:cNvPicPr>
+            <a:picLocks noChangeAspect="1"/>
+          </p:cNvPicPr>
+          <p:nvPr/>
+        </p:nvPicPr>
+        <p:blipFill>
+          <a:blip r:embed="rId3">
+            <a:extLst>
+              <a:ext uri="{BEBA8EAE-BF5A-486C-A8C5-ECC9F3942E4B}">
+                <a14:imgProps xmlns:a14="http://schemas.microsoft.com/office/drawing/2010/main">
+                  <a14:imgLayer r:embed="rId4">
+                    <a14:imgEffect>
+                      <a14:backgroundRemoval t="926" b="100000" l="627" r="99060"/>
+                    </a14:imgEffect>
+                  </a14:imgLayer>
+                </a14:imgProps>
+              </a:ext>
+              <a:ext uri="{28A0092B-C50C-407E-A947-70E740481C1C}">
+                <a14:useLocalDpi xmlns:a14="http://schemas.microsoft.com/office/drawing/2010/main" val="0"/>
+              </a:ext>
+            </a:extLst>
+          </a:blip>
+          <a:stretch>
+            <a:fillRect/>
+          </a:stretch>
+        </p:blipFill>
+        <p:spPr>
+          <a:xfrm rot="20706878">
+            <a:off x="3472484" y="1393839"/>
+            <a:ext cx="3038475" cy="4114800"/>
+          </a:xfrm>
+          <a:prstGeom prst="rect">
+            <a:avLst/>
+          </a:prstGeom>
+        </p:spPr>
+      </p:pic>
+      <p:sp>
+        <p:nvSpPr>
+          <p:cNvPr id="6" name="Rounded Rectangle 5"/>
+          <p:cNvSpPr/>
+          <p:nvPr/>
+        </p:nvSpPr>
+        <p:spPr>
+          <a:xfrm>
+            <a:off x="8463776" y="2971801"/>
+            <a:ext cx="1600200" cy="357085"/>
+          </a:xfrm>
+          <a:prstGeom prst="roundRect">
+            <a:avLst/>
+          </a:prstGeom>
+          <a:noFill/>
+          <a:ln w="38100"/>
         </p:spPr>
         <p:style>
           <a:lnRef idx="2">
@@ -3471,7 +4047,7 @@
     </p:spTree>
     <p:extLst>
       <p:ext uri="{BB962C8B-B14F-4D97-AF65-F5344CB8AC3E}">
-        <p14:creationId xmlns:p14="http://schemas.microsoft.com/office/powerpoint/2010/main" val="2059716466"/>
+        <p14:creationId xmlns:p14="http://schemas.microsoft.com/office/powerpoint/2010/main" val="1832505692"/>
       </p:ext>
     </p:extLst>
   </p:cSld>
@@ -3481,7 +4057,138 @@
 </p:sld>
 </file>
 
-<file path=ppt/slides/slide6.xml><?xml version="1.0" encoding="utf-8"?>
+<file path=ppt/slides/slide7.xml><?xml version="1.0" encoding="utf-8"?>
+<p:sld xmlns:a="http://schemas.openxmlformats.org/drawingml/2006/main" xmlns:r="http://schemas.openxmlformats.org/officeDocument/2006/relationships" xmlns:p="http://schemas.openxmlformats.org/presentationml/2006/main">
+  <p:cSld>
+    <p:spTree>
+      <p:nvGrpSpPr>
+        <p:cNvPr id="1" name=""/>
+        <p:cNvGrpSpPr/>
+        <p:nvPr/>
+      </p:nvGrpSpPr>
+      <p:grpSpPr>
+        <a:xfrm>
+          <a:off x="0" y="0"/>
+          <a:ext cx="0" cy="0"/>
+          <a:chOff x="0" y="0"/>
+          <a:chExt cx="0" cy="0"/>
+        </a:xfrm>
+      </p:grpSpPr>
+      <p:sp>
+        <p:nvSpPr>
+          <p:cNvPr id="2" name="Title 1"/>
+          <p:cNvSpPr>
+            <a:spLocks noGrp="1"/>
+          </p:cNvSpPr>
+          <p:nvPr>
+            <p:ph type="title"/>
+          </p:nvPr>
+        </p:nvSpPr>
+        <p:spPr/>
+        <p:txBody>
+          <a:bodyPr/>
+          <a:lstStyle/>
+          <a:p>
+            <a:endParaRPr lang="en-US"/>
+          </a:p>
+        </p:txBody>
+      </p:sp>
+      <p:sp>
+        <p:nvSpPr>
+          <p:cNvPr id="3" name="Content Placeholder 2"/>
+          <p:cNvSpPr>
+            <a:spLocks noGrp="1"/>
+          </p:cNvSpPr>
+          <p:nvPr>
+            <p:ph idx="1"/>
+          </p:nvPr>
+        </p:nvSpPr>
+        <p:spPr/>
+        <p:txBody>
+          <a:bodyPr/>
+          <a:lstStyle/>
+          <a:p>
+            <a:endParaRPr lang="en-US"/>
+          </a:p>
+        </p:txBody>
+      </p:sp>
+      <p:pic>
+        <p:nvPicPr>
+          <p:cNvPr id="4" name="Picture 3"/>
+          <p:cNvPicPr>
+            <a:picLocks noChangeAspect="1"/>
+          </p:cNvPicPr>
+          <p:nvPr/>
+        </p:nvPicPr>
+        <p:blipFill rotWithShape="1">
+          <a:blip r:embed="rId2"/>
+          <a:srcRect t="9836"/>
+          <a:stretch/>
+        </p:blipFill>
+        <p:spPr>
+          <a:xfrm>
+            <a:off x="1084729" y="947854"/>
+            <a:ext cx="10022541" cy="5341926"/>
+          </a:xfrm>
+          <a:prstGeom prst="rect">
+            <a:avLst/>
+          </a:prstGeom>
+        </p:spPr>
+      </p:pic>
+      <p:sp>
+        <p:nvSpPr>
+          <p:cNvPr id="7" name="Right Arrow 6"/>
+          <p:cNvSpPr/>
+          <p:nvPr/>
+        </p:nvSpPr>
+        <p:spPr>
+          <a:xfrm rot="19619028">
+            <a:off x="6222381" y="2358484"/>
+            <a:ext cx="1382751" cy="546410"/>
+          </a:xfrm>
+          <a:prstGeom prst="rightArrow">
+            <a:avLst/>
+          </a:prstGeom>
+        </p:spPr>
+        <p:style>
+          <a:lnRef idx="2">
+            <a:schemeClr val="accent6">
+              <a:shade val="50000"/>
+            </a:schemeClr>
+          </a:lnRef>
+          <a:fillRef idx="1">
+            <a:schemeClr val="accent6"/>
+          </a:fillRef>
+          <a:effectRef idx="0">
+            <a:schemeClr val="accent6"/>
+          </a:effectRef>
+          <a:fontRef idx="minor">
+            <a:schemeClr val="lt1"/>
+          </a:fontRef>
+        </p:style>
+        <p:txBody>
+          <a:bodyPr rtlCol="0" anchor="ctr"/>
+          <a:lstStyle/>
+          <a:p>
+            <a:pPr algn="ctr"/>
+            <a:endParaRPr lang="en-US"/>
+          </a:p>
+        </p:txBody>
+      </p:sp>
+    </p:spTree>
+    <p:extLst>
+      <p:ext uri="{BB962C8B-B14F-4D97-AF65-F5344CB8AC3E}">
+        <p14:creationId xmlns:p14="http://schemas.microsoft.com/office/powerpoint/2010/main" val="3034400353"/>
+      </p:ext>
+    </p:extLst>
+  </p:cSld>
+  <p:clrMapOvr>
+    <a:masterClrMapping/>
+  </p:clrMapOvr>
+</p:sld>
+</file>
+
+<file path=ppt/slides/slide8.xml><?xml version="1.0" encoding="utf-8"?>
 <p:sld xmlns:a="http://schemas.openxmlformats.org/drawingml/2006/main" xmlns:r="http://schemas.openxmlformats.org/officeDocument/2006/relationships" xmlns:p="http://schemas.openxmlformats.org/presentationml/2006/main">
   <p:cSld>
     <p:spTree>
@@ -3696,7 +4403,7 @@
 </p:sld>
 </file>
 
-<file path=ppt/slides/slide7.xml><?xml version="1.0" encoding="utf-8"?>
+<file path=ppt/slides/slide9.xml><?xml version="1.0" encoding="utf-8"?>
 <p:sld xmlns:a="http://schemas.openxmlformats.org/drawingml/2006/main" xmlns:r="http://schemas.openxmlformats.org/officeDocument/2006/relationships" xmlns:p="http://schemas.openxmlformats.org/presentationml/2006/main">
   <p:cSld>
     <p:spTree>
@@ -3713,24 +4420,61 @@
           <a:chExt cx="0" cy="0"/>
         </a:xfrm>
       </p:grpSpPr>
+      <p:sp>
+        <p:nvSpPr>
+          <p:cNvPr id="2" name="Title 1"/>
+          <p:cNvSpPr>
+            <a:spLocks noGrp="1"/>
+          </p:cNvSpPr>
+          <p:nvPr>
+            <p:ph type="title"/>
+          </p:nvPr>
+        </p:nvSpPr>
+        <p:spPr/>
+        <p:txBody>
+          <a:bodyPr/>
+          <a:lstStyle/>
+          <a:p>
+            <a:endParaRPr lang="en-US"/>
+          </a:p>
+        </p:txBody>
+      </p:sp>
+      <p:sp>
+        <p:nvSpPr>
+          <p:cNvPr id="3" name="Content Placeholder 2"/>
+          <p:cNvSpPr>
+            <a:spLocks noGrp="1"/>
+          </p:cNvSpPr>
+          <p:nvPr>
+            <p:ph idx="1"/>
+          </p:nvPr>
+        </p:nvSpPr>
+        <p:spPr/>
+        <p:txBody>
+          <a:bodyPr/>
+          <a:lstStyle/>
+          <a:p>
+            <a:endParaRPr lang="en-US"/>
+          </a:p>
+        </p:txBody>
+      </p:sp>
       <p:pic>
         <p:nvPicPr>
-          <p:cNvPr id="2" name="Picture 1"/>
+          <p:cNvPr id="4" name="Picture 3"/>
           <p:cNvPicPr>
             <a:picLocks noChangeAspect="1"/>
           </p:cNvPicPr>
           <p:nvPr/>
         </p:nvPicPr>
-        <p:blipFill>
+        <p:blipFill rotWithShape="1">
           <a:blip r:embed="rId2"/>
-          <a:stretch>
-            <a:fillRect/>
-          </a:stretch>
+          <a:srcRect t="8766"/>
+          <a:stretch/>
         </p:blipFill>
         <p:spPr>
           <a:xfrm>
-            <a:off x="0" y="444"/>
-            <a:ext cx="12192000" cy="6857111"/>
+            <a:off x="0" y="282653"/>
+            <a:ext cx="12192000" cy="6575347"/>
           </a:xfrm>
           <a:prstGeom prst="rect">
             <a:avLst/>
@@ -3740,99 +4484,7 @@
     </p:spTree>
     <p:extLst>
       <p:ext uri="{BB962C8B-B14F-4D97-AF65-F5344CB8AC3E}">
-        <p14:creationId xmlns:p14="http://schemas.microsoft.com/office/powerpoint/2010/main" val="952241169"/>
-      </p:ext>
-    </p:extLst>
-  </p:cSld>
-  <p:clrMapOvr>
-    <a:masterClrMapping/>
-  </p:clrMapOvr>
-</p:sld>
-</file>
-
-<file path=ppt/slides/slide8.xml><?xml version="1.0" encoding="utf-8"?>
-<p:sld xmlns:a="http://schemas.openxmlformats.org/drawingml/2006/main" xmlns:r="http://schemas.openxmlformats.org/officeDocument/2006/relationships" xmlns:p="http://schemas.openxmlformats.org/presentationml/2006/main">
-  <p:cSld>
-    <p:spTree>
-      <p:nvGrpSpPr>
-        <p:cNvPr id="1" name=""/>
-        <p:cNvGrpSpPr/>
-        <p:nvPr/>
-      </p:nvGrpSpPr>
-      <p:grpSpPr>
-        <a:xfrm>
-          <a:off x="0" y="0"/>
-          <a:ext cx="0" cy="0"/>
-          <a:chOff x="0" y="0"/>
-          <a:chExt cx="0" cy="0"/>
-        </a:xfrm>
-      </p:grpSpPr>
-      <p:sp>
-        <p:nvSpPr>
-          <p:cNvPr id="2" name="Title 1"/>
-          <p:cNvSpPr>
-            <a:spLocks noGrp="1"/>
-          </p:cNvSpPr>
-          <p:nvPr>
-            <p:ph type="ctrTitle"/>
-          </p:nvPr>
-        </p:nvSpPr>
-        <p:spPr/>
-        <p:txBody>
-          <a:bodyPr/>
-          <a:lstStyle/>
-          <a:p>
-            <a:endParaRPr lang="en-US"/>
-          </a:p>
-        </p:txBody>
-      </p:sp>
-      <p:sp>
-        <p:nvSpPr>
-          <p:cNvPr id="3" name="Subtitle 2"/>
-          <p:cNvSpPr>
-            <a:spLocks noGrp="1"/>
-          </p:cNvSpPr>
-          <p:nvPr>
-            <p:ph type="subTitle" idx="1"/>
-          </p:nvPr>
-        </p:nvSpPr>
-        <p:spPr/>
-        <p:txBody>
-          <a:bodyPr/>
-          <a:lstStyle/>
-          <a:p>
-            <a:endParaRPr lang="en-US"/>
-          </a:p>
-        </p:txBody>
-      </p:sp>
-      <p:pic>
-        <p:nvPicPr>
-          <p:cNvPr id="4" name="Picture 3"/>
-          <p:cNvPicPr>
-            <a:picLocks noChangeAspect="1"/>
-          </p:cNvPicPr>
-          <p:nvPr/>
-        </p:nvPicPr>
-        <p:blipFill>
-          <a:blip r:embed="rId2"/>
-          <a:stretch>
-            <a:fillRect/>
-          </a:stretch>
-        </p:blipFill>
-        <p:spPr>
-          <a:xfrm>
-            <a:off x="908143" y="0"/>
-            <a:ext cx="10375714" cy="6858000"/>
-          </a:xfrm>
-          <a:prstGeom prst="rect">
-            <a:avLst/>
-          </a:prstGeom>
-        </p:spPr>
-      </p:pic>
-    </p:spTree>
-    <p:extLst>
-      <p:ext uri="{BB962C8B-B14F-4D97-AF65-F5344CB8AC3E}">
-        <p14:creationId xmlns:p14="http://schemas.microsoft.com/office/powerpoint/2010/main" val="3805262495"/>
+        <p14:creationId xmlns:p14="http://schemas.microsoft.com/office/powerpoint/2010/main" val="823326501"/>
       </p:ext>
     </p:extLst>
   </p:cSld>

--- a/presentations/00 - Setup.pptx
+++ b/presentations/00 - Setup.pptx
@@ -266,7 +266,7 @@
           <a:p>
             <a:fld id="{2E383357-6D45-40BA-BA5A-1AE593C8A80F}" type="datetimeFigureOut">
               <a:rPr lang="en-US" smtClean="0"/>
-              <a:t>7/7/2020</a:t>
+              <a:t>7/12/2020</a:t>
             </a:fld>
             <a:endParaRPr lang="en-US"/>
           </a:p>
@@ -436,7 +436,7 @@
           <a:p>
             <a:fld id="{2E383357-6D45-40BA-BA5A-1AE593C8A80F}" type="datetimeFigureOut">
               <a:rPr lang="en-US" smtClean="0"/>
-              <a:t>7/7/2020</a:t>
+              <a:t>7/12/2020</a:t>
             </a:fld>
             <a:endParaRPr lang="en-US"/>
           </a:p>
@@ -616,7 +616,7 @@
           <a:p>
             <a:fld id="{2E383357-6D45-40BA-BA5A-1AE593C8A80F}" type="datetimeFigureOut">
               <a:rPr lang="en-US" smtClean="0"/>
-              <a:t>7/7/2020</a:t>
+              <a:t>7/12/2020</a:t>
             </a:fld>
             <a:endParaRPr lang="en-US"/>
           </a:p>
@@ -786,7 +786,7 @@
           <a:p>
             <a:fld id="{2E383357-6D45-40BA-BA5A-1AE593C8A80F}" type="datetimeFigureOut">
               <a:rPr lang="en-US" smtClean="0"/>
-              <a:t>7/7/2020</a:t>
+              <a:t>7/12/2020</a:t>
             </a:fld>
             <a:endParaRPr lang="en-US"/>
           </a:p>
@@ -1032,7 +1032,7 @@
           <a:p>
             <a:fld id="{2E383357-6D45-40BA-BA5A-1AE593C8A80F}" type="datetimeFigureOut">
               <a:rPr lang="en-US" smtClean="0"/>
-              <a:t>7/7/2020</a:t>
+              <a:t>7/12/2020</a:t>
             </a:fld>
             <a:endParaRPr lang="en-US"/>
           </a:p>
@@ -1264,7 +1264,7 @@
           <a:p>
             <a:fld id="{2E383357-6D45-40BA-BA5A-1AE593C8A80F}" type="datetimeFigureOut">
               <a:rPr lang="en-US" smtClean="0"/>
-              <a:t>7/7/2020</a:t>
+              <a:t>7/12/2020</a:t>
             </a:fld>
             <a:endParaRPr lang="en-US"/>
           </a:p>
@@ -1631,7 +1631,7 @@
           <a:p>
             <a:fld id="{2E383357-6D45-40BA-BA5A-1AE593C8A80F}" type="datetimeFigureOut">
               <a:rPr lang="en-US" smtClean="0"/>
-              <a:t>7/7/2020</a:t>
+              <a:t>7/12/2020</a:t>
             </a:fld>
             <a:endParaRPr lang="en-US"/>
           </a:p>
@@ -1749,7 +1749,7 @@
           <a:p>
             <a:fld id="{2E383357-6D45-40BA-BA5A-1AE593C8A80F}" type="datetimeFigureOut">
               <a:rPr lang="en-US" smtClean="0"/>
-              <a:t>7/7/2020</a:t>
+              <a:t>7/12/2020</a:t>
             </a:fld>
             <a:endParaRPr lang="en-US"/>
           </a:p>
@@ -1844,7 +1844,7 @@
           <a:p>
             <a:fld id="{2E383357-6D45-40BA-BA5A-1AE593C8A80F}" type="datetimeFigureOut">
               <a:rPr lang="en-US" smtClean="0"/>
-              <a:t>7/7/2020</a:t>
+              <a:t>7/12/2020</a:t>
             </a:fld>
             <a:endParaRPr lang="en-US"/>
           </a:p>
@@ -2121,7 +2121,7 @@
           <a:p>
             <a:fld id="{2E383357-6D45-40BA-BA5A-1AE593C8A80F}" type="datetimeFigureOut">
               <a:rPr lang="en-US" smtClean="0"/>
-              <a:t>7/7/2020</a:t>
+              <a:t>7/12/2020</a:t>
             </a:fld>
             <a:endParaRPr lang="en-US"/>
           </a:p>
@@ -2374,7 +2374,7 @@
           <a:p>
             <a:fld id="{2E383357-6D45-40BA-BA5A-1AE593C8A80F}" type="datetimeFigureOut">
               <a:rPr lang="en-US" smtClean="0"/>
-              <a:t>7/7/2020</a:t>
+              <a:t>7/12/2020</a:t>
             </a:fld>
             <a:endParaRPr lang="en-US"/>
           </a:p>
@@ -2587,7 +2587,7 @@
           <a:p>
             <a:fld id="{2E383357-6D45-40BA-BA5A-1AE593C8A80F}" type="datetimeFigureOut">
               <a:rPr lang="en-US" smtClean="0"/>
-              <a:t>7/7/2020</a:t>
+              <a:t>7/12/2020</a:t>
             </a:fld>
             <a:endParaRPr lang="en-US"/>
           </a:p>
@@ -3052,8 +3052,8 @@
           <a:lstStyle/>
           <a:p>
             <a:r>
-              <a:rPr lang="en-US" sz="7200" dirty="0"/>
-              <a:t>https://tinyurl.com/y8f4pcn9</a:t>
+              <a:rPr lang="en-US" sz="7200"/>
+              <a:t>https://tinyurl.com/apir2020</a:t>
             </a:r>
             <a:endParaRPr lang="en-US" sz="7200" dirty="0"/>
           </a:p>
